--- a/Airbnb.pptx
+++ b/Airbnb.pptx
@@ -22888,10 +22888,10 @@
       </p:sp>
       <p:pic>
         <p:nvPicPr>
-          <p:cNvPr id="5" name="Picture 4">
+          <p:cNvPr id="4" name="Picture 3">
             <a:extLst>
               <a:ext uri="{FF2B5EF4-FFF2-40B4-BE49-F238E27FC236}">
-                <a16:creationId xmlns:a16="http://schemas.microsoft.com/office/drawing/2014/main" id="{117DD833-31E3-4D90-AED8-F67B68CB16C6}"/>
+                <a16:creationId xmlns:a16="http://schemas.microsoft.com/office/drawing/2014/main" id="{AB55CC8F-5842-019C-211A-A11A9D57E1B8}"/>
               </a:ext>
             </a:extLst>
           </p:cNvPr>
@@ -22908,8 +22908,8 @@
         </p:blipFill>
         <p:spPr>
           <a:xfrm>
-            <a:off x="821473" y="2893942"/>
-            <a:ext cx="7166517" cy="1358390"/>
+            <a:off x="531542" y="2847412"/>
+            <a:ext cx="7954582" cy="1419787"/>
           </a:xfrm>
           <a:prstGeom prst="rect">
             <a:avLst/>
@@ -35206,57 +35206,7 @@
                 <a:latin typeface="Shippori Antique" panose="020B0604020202020204" charset="-128"/>
                 <a:ea typeface="Shippori Antique" panose="020B0604020202020204" charset="-128"/>
               </a:rPr>
-              <a:t>, season, </a:t>
-            </a:r>
-            <a:r>
-              <a:rPr lang="en-US" sz="1200" b="0" dirty="0" err="1">
-                <a:solidFill>
-                  <a:schemeClr val="accent2"/>
-                </a:solidFill>
-                <a:latin typeface="Shippori Antique" panose="020B0604020202020204" charset="-128"/>
-                <a:ea typeface="Shippori Antique" panose="020B0604020202020204" charset="-128"/>
-              </a:rPr>
-              <a:t>price_per_distance</a:t>
-            </a:r>
-            <a:r>
-              <a:rPr lang="en-US" sz="1200" b="0" dirty="0">
-                <a:solidFill>
-                  <a:schemeClr val="accent2"/>
-                </a:solidFill>
-                <a:latin typeface="Shippori Antique" panose="020B0604020202020204" charset="-128"/>
-                <a:ea typeface="Shippori Antique" panose="020B0604020202020204" charset="-128"/>
-              </a:rPr>
-              <a:t>, </a:t>
-            </a:r>
-            <a:r>
-              <a:rPr lang="en-US" sz="1200" b="0" dirty="0" err="1">
-                <a:solidFill>
-                  <a:schemeClr val="accent2"/>
-                </a:solidFill>
-                <a:latin typeface="Shippori Antique" panose="020B0604020202020204" charset="-128"/>
-                <a:ea typeface="Shippori Antique" panose="020B0604020202020204" charset="-128"/>
-              </a:rPr>
-              <a:t>price_per_room_type</a:t>
-            </a:r>
-            <a:r>
-              <a:rPr lang="en-US" sz="1200" b="0" dirty="0">
-                <a:solidFill>
-                  <a:schemeClr val="accent2"/>
-                </a:solidFill>
-                <a:latin typeface="Shippori Antique" panose="020B0604020202020204" charset="-128"/>
-                <a:ea typeface="Shippori Antique" panose="020B0604020202020204" charset="-128"/>
-              </a:rPr>
-              <a:t>, </a:t>
-            </a:r>
-            <a:r>
-              <a:rPr lang="en-US" sz="1200" b="0" dirty="0" err="1">
-                <a:solidFill>
-                  <a:schemeClr val="accent2"/>
-                </a:solidFill>
-                <a:latin typeface="Shippori Antique" panose="020B0604020202020204" charset="-128"/>
-                <a:ea typeface="Shippori Antique" panose="020B0604020202020204" charset="-128"/>
-              </a:rPr>
-              <a:t>price_relative_to_room_type</a:t>
+              <a:t>, season</a:t>
             </a:r>
             <a:endParaRPr lang="en-US" sz="1200" dirty="0">
               <a:solidFill>
@@ -35270,10 +35220,10 @@
       </p:sp>
       <p:pic>
         <p:nvPicPr>
-          <p:cNvPr id="4" name="Picture 3">
+          <p:cNvPr id="5" name="Picture 4">
             <a:extLst>
               <a:ext uri="{FF2B5EF4-FFF2-40B4-BE49-F238E27FC236}">
-                <a16:creationId xmlns:a16="http://schemas.microsoft.com/office/drawing/2014/main" id="{DD60907D-C4E6-3673-0F97-80C4CFD2B39B}"/>
+                <a16:creationId xmlns:a16="http://schemas.microsoft.com/office/drawing/2014/main" id="{4B651AF0-0947-5B4F-0F56-7C5879C1E818}"/>
               </a:ext>
             </a:extLst>
           </p:cNvPr>
@@ -35291,7 +35241,7 @@
         <p:spPr>
           <a:xfrm>
             <a:off x="715100" y="2571750"/>
-            <a:ext cx="7114477" cy="2154817"/>
+            <a:ext cx="7306344" cy="2307777"/>
           </a:xfrm>
           <a:prstGeom prst="rect">
             <a:avLst/>
